--- a/Project_Presentation.pptx
+++ b/Project_Presentation.pptx
@@ -248,13 +248,18 @@
       </a:defRPr>
     </a:lvl9pPr>
   </p:defaultTextStyle>
+  <p:extLst>
+    <p:ext uri="{EFAFB233-063F-42B5-8137-9DF3F51BA10A}">
+      <p15:sldGuideLst xmlns:p15="http://schemas.microsoft.com/office/powerpoint/2012/main"/>
+    </p:ext>
+  </p:extLst>
 </p:presentation>
 </file>
 
 <file path=ppt/revisionInfo.xml><?xml version="1.0" encoding="utf-8"?>
 <p1510:revInfo xmlns:a="http://schemas.openxmlformats.org/drawingml/2006/main" xmlns:r="http://schemas.openxmlformats.org/officeDocument/2006/relationships" xmlns:p1510="http://schemas.microsoft.com/office/powerpoint/2015/10/main">
   <p1510:revLst>
-    <p1510:client id="{64B5A801-7581-4D21-9C73-80C009E3C699}" v="2" dt="2023-08-21T10:52:14.697"/>
+    <p1510:client id="{26390ED0-6D29-4D89-A59D-322261DFE807}" v="1" dt="2023-08-21T11:28:19.593"/>
   </p1510:revLst>
 </p1510:revInfo>
 </file>
@@ -262,73 +267,41 @@
 <file path=ppt/changesInfos/changesInfo1.xml><?xml version="1.0" encoding="utf-8"?>
 <pc:chgInfo xmlns:a="http://schemas.openxmlformats.org/drawingml/2006/main" xmlns:r="http://schemas.openxmlformats.org/officeDocument/2006/relationships" xmlns:ac="http://schemas.microsoft.com/office/drawing/2013/main/command" xmlns:pc="http://schemas.microsoft.com/office/powerpoint/2013/main/command">
   <pc:docChgLst>
-    <pc:chgData name="duke woods" userId="57602d2667dc8ab3" providerId="LiveId" clId="{64B5A801-7581-4D21-9C73-80C009E3C699}"/>
-    <pc:docChg chg="custSel modSld">
-      <pc:chgData name="duke woods" userId="57602d2667dc8ab3" providerId="LiveId" clId="{64B5A801-7581-4D21-9C73-80C009E3C699}" dt="2023-08-21T11:06:51.183" v="544" actId="1076"/>
+    <pc:chgData name="Duke Woods" userId="57602d2667dc8ab3" providerId="LiveId" clId="{26390ED0-6D29-4D89-A59D-322261DFE807}"/>
+    <pc:docChg chg="modSld">
+      <pc:chgData name="Duke Woods" userId="57602d2667dc8ab3" providerId="LiveId" clId="{26390ED0-6D29-4D89-A59D-322261DFE807}" dt="2023-08-21T11:29:31.667" v="114" actId="20577"/>
       <pc:docMkLst>
         <pc:docMk/>
       </pc:docMkLst>
       <pc:sldChg chg="addSp modSp mod modNotes">
-        <pc:chgData name="duke woods" userId="57602d2667dc8ab3" providerId="LiveId" clId="{64B5A801-7581-4D21-9C73-80C009E3C699}" dt="2023-08-21T10:40:52.354" v="9" actId="207"/>
+        <pc:chgData name="Duke Woods" userId="57602d2667dc8ab3" providerId="LiveId" clId="{26390ED0-6D29-4D89-A59D-322261DFE807}" dt="2023-08-21T11:28:23.829" v="2" actId="14100"/>
         <pc:sldMkLst>
           <pc:docMk/>
-          <pc:sldMk cId="0" sldId="256"/>
+          <pc:sldMk cId="0" sldId="258"/>
         </pc:sldMkLst>
-        <pc:spChg chg="mod">
-          <ac:chgData name="duke woods" userId="57602d2667dc8ab3" providerId="LiveId" clId="{64B5A801-7581-4D21-9C73-80C009E3C699}" dt="2023-08-21T10:40:30.668" v="5" actId="1076"/>
-          <ac:spMkLst>
-            <pc:docMk/>
-            <pc:sldMk cId="0" sldId="256"/>
-            <ac:spMk id="54" creationId="{00000000-0000-0000-0000-000000000000}"/>
-          </ac:spMkLst>
-        </pc:spChg>
-        <pc:spChg chg="mod">
-          <ac:chgData name="duke woods" userId="57602d2667dc8ab3" providerId="LiveId" clId="{64B5A801-7581-4D21-9C73-80C009E3C699}" dt="2023-08-21T10:40:52.354" v="9" actId="207"/>
-          <ac:spMkLst>
-            <pc:docMk/>
-            <pc:sldMk cId="0" sldId="256"/>
-            <ac:spMk id="55" creationId="{00000000-0000-0000-0000-000000000000}"/>
-          </ac:spMkLst>
-        </pc:spChg>
         <pc:picChg chg="add mod">
-          <ac:chgData name="duke woods" userId="57602d2667dc8ab3" providerId="LiveId" clId="{64B5A801-7581-4D21-9C73-80C009E3C699}" dt="2023-08-21T10:40:26.722" v="4" actId="1076"/>
+          <ac:chgData name="Duke Woods" userId="57602d2667dc8ab3" providerId="LiveId" clId="{26390ED0-6D29-4D89-A59D-322261DFE807}" dt="2023-08-21T11:28:23.829" v="2" actId="14100"/>
           <ac:picMkLst>
             <pc:docMk/>
-            <pc:sldMk cId="0" sldId="256"/>
-            <ac:picMk id="3" creationId="{5EC46535-9600-3A68-A6A7-A3B5EA1093F0}"/>
+            <pc:sldMk cId="0" sldId="258"/>
+            <ac:picMk id="3" creationId="{00082B11-6D6C-05CD-97BF-762CADAF97E6}"/>
           </ac:picMkLst>
         </pc:picChg>
       </pc:sldChg>
-      <pc:sldChg chg="addSp modSp mod">
-        <pc:chgData name="duke woods" userId="57602d2667dc8ab3" providerId="LiveId" clId="{64B5A801-7581-4D21-9C73-80C009E3C699}" dt="2023-08-21T11:06:51.183" v="544" actId="1076"/>
+      <pc:sldChg chg="modSp mod">
+        <pc:chgData name="Duke Woods" userId="57602d2667dc8ab3" providerId="LiveId" clId="{26390ED0-6D29-4D89-A59D-322261DFE807}" dt="2023-08-21T11:29:31.667" v="114" actId="20577"/>
         <pc:sldMkLst>
           <pc:docMk/>
-          <pc:sldMk cId="0" sldId="257"/>
+          <pc:sldMk cId="0" sldId="259"/>
         </pc:sldMkLst>
-        <pc:spChg chg="add mod">
-          <ac:chgData name="duke woods" userId="57602d2667dc8ab3" providerId="LiveId" clId="{64B5A801-7581-4D21-9C73-80C009E3C699}" dt="2023-08-21T11:06:16.867" v="541" actId="20577"/>
+        <pc:spChg chg="mod">
+          <ac:chgData name="Duke Woods" userId="57602d2667dc8ab3" providerId="LiveId" clId="{26390ED0-6D29-4D89-A59D-322261DFE807}" dt="2023-08-21T11:29:31.667" v="114" actId="20577"/>
           <ac:spMkLst>
             <pc:docMk/>
-            <pc:sldMk cId="0" sldId="257"/>
-            <ac:spMk id="2" creationId="{31F82518-2256-2F52-9267-55C71CDFBA8D}"/>
+            <pc:sldMk cId="0" sldId="259"/>
+            <ac:spMk id="72" creationId="{00000000-0000-0000-0000-000000000000}"/>
           </ac:spMkLst>
         </pc:spChg>
-        <pc:spChg chg="mod">
-          <ac:chgData name="duke woods" userId="57602d2667dc8ab3" providerId="LiveId" clId="{64B5A801-7581-4D21-9C73-80C009E3C699}" dt="2023-08-21T10:41:19.521" v="10" actId="1076"/>
-          <ac:spMkLst>
-            <pc:docMk/>
-            <pc:sldMk cId="0" sldId="257"/>
-            <ac:spMk id="60" creationId="{00000000-0000-0000-0000-000000000000}"/>
-          </ac:spMkLst>
-        </pc:spChg>
-        <pc:picChg chg="add mod">
-          <ac:chgData name="duke woods" userId="57602d2667dc8ab3" providerId="LiveId" clId="{64B5A801-7581-4D21-9C73-80C009E3C699}" dt="2023-08-21T11:06:51.183" v="544" actId="1076"/>
-          <ac:picMkLst>
-            <pc:docMk/>
-            <pc:sldMk cId="0" sldId="257"/>
-            <ac:picMk id="4" creationId="{410C994F-5BC4-86CA-EBD9-7D3B5C27AA9F}"/>
-          </ac:picMkLst>
-        </pc:picChg>
       </pc:sldChg>
     </pc:docChg>
   </pc:docChgLst>
@@ -1013,7 +986,7 @@
         </p:nvSpPr>
         <p:spPr>
           <a:xfrm>
-            <a:off x="381300" y="685800"/>
+            <a:off x="381000" y="685800"/>
             <a:ext cx="6096000" cy="3429000"/>
           </a:xfrm>
           <a:custGeom>
@@ -1117,7 +1090,7 @@
         </p:nvSpPr>
         <p:spPr>
           <a:xfrm>
-            <a:off x="381300" y="685800"/>
+            <a:off x="381000" y="685800"/>
             <a:ext cx="6096000" cy="3429000"/>
           </a:xfrm>
           <a:custGeom>
@@ -6470,13 +6443,7 @@
       </p:sp>
       <p:pic>
         <p:nvPicPr>
-          <p:cNvPr id="3" name="Picture 2" descr="A bull and bear statues facing each other&#10;&#10;Description automatically generated">
-            <a:extLst>
-              <a:ext uri="{FF2B5EF4-FFF2-40B4-BE49-F238E27FC236}">
-                <a16:creationId xmlns:a16="http://schemas.microsoft.com/office/drawing/2014/main" id="{5EC46535-9600-3A68-A6A7-A3B5EA1093F0}"/>
-              </a:ext>
-            </a:extLst>
-          </p:cNvPr>
+          <p:cNvPr id="3" name="Picture 2" descr="A bull and bear statues facing each other&#10;&#10;Description automatically generated"/>
           <p:cNvPicPr>
             <a:picLocks noChangeAspect="1"/>
           </p:cNvPicPr>
@@ -6566,13 +6533,7 @@
       </p:sp>
       <p:sp>
         <p:nvSpPr>
-          <p:cNvPr id="2" name="TextBox 1">
-            <a:extLst>
-              <a:ext uri="{FF2B5EF4-FFF2-40B4-BE49-F238E27FC236}">
-                <a16:creationId xmlns:a16="http://schemas.microsoft.com/office/drawing/2014/main" id="{31F82518-2256-2F52-9267-55C71CDFBA8D}"/>
-              </a:ext>
-            </a:extLst>
-          </p:cNvPr>
+          <p:cNvPr id="2" name="TextBox 1"/>
           <p:cNvSpPr txBox="1"/>
           <p:nvPr/>
         </p:nvSpPr>
@@ -6660,13 +6621,7 @@
       </p:sp>
       <p:pic>
         <p:nvPicPr>
-          <p:cNvPr id="4" name="Picture 3">
-            <a:extLst>
-              <a:ext uri="{FF2B5EF4-FFF2-40B4-BE49-F238E27FC236}">
-                <a16:creationId xmlns:a16="http://schemas.microsoft.com/office/drawing/2014/main" id="{410C994F-5BC4-86CA-EBD9-7D3B5C27AA9F}"/>
-              </a:ext>
-            </a:extLst>
-          </p:cNvPr>
+          <p:cNvPr id="4" name="Picture 3"/>
           <p:cNvPicPr>
             <a:picLocks noChangeAspect="1"/>
           </p:cNvPicPr>
@@ -6680,8 +6635,8 @@
         </p:blipFill>
         <p:spPr>
           <a:xfrm>
-            <a:off x="5008062" y="990470"/>
-            <a:ext cx="3682372" cy="2740959"/>
+            <a:off x="4846320" y="990600"/>
+            <a:ext cx="3844290" cy="2861310"/>
           </a:xfrm>
           <a:prstGeom prst="rect">
             <a:avLst/>
@@ -6725,7 +6680,7 @@
         </p:nvSpPr>
         <p:spPr>
           <a:xfrm>
-            <a:off x="311700" y="445025"/>
+            <a:off x="311700" y="233570"/>
             <a:ext cx="8520600" cy="572700"/>
           </a:xfrm>
           <a:prstGeom prst="rect">
@@ -6766,8 +6721,8 @@
         </p:nvSpPr>
         <p:spPr>
           <a:xfrm>
-            <a:off x="311700" y="1152475"/>
-            <a:ext cx="8520600" cy="3416400"/>
+            <a:off x="311785" y="1152525"/>
+            <a:ext cx="5344160" cy="3416300"/>
           </a:xfrm>
           <a:prstGeom prst="rect">
             <a:avLst/>
@@ -6806,8 +6761,8 @@
               <a:buChar char="●"/>
             </a:pPr>
             <a:r>
-              <a:rPr lang="en-GB"/>
-              <a:t>Motivation for development?</a:t>
+              <a:rPr lang="en-AU" altLang="en-GB"/>
+              <a:t>The motivation for the development of this project was due to Josh’s interested in investing and wanting to optimise his portfolio using a common financial theory. </a:t>
             </a:r>
           </a:p>
           <a:p>
@@ -6823,11 +6778,45 @@
             </a:pPr>
             <a:r>
               <a:rPr lang="en-GB"/>
-              <a:t>User story</a:t>
+              <a:t>User</a:t>
+            </a:r>
+            <a:r>
+              <a:rPr lang="en-AU" altLang="en-GB"/>
+              <a:t>’s can easily input there portfolio and look a different senarios to improve their results on their investments. With some basic coding knowledge users can also adjust the parameters to add additional objectives if they wish. </a:t>
             </a:r>
           </a:p>
         </p:txBody>
       </p:sp>
+      <p:pic>
+        <p:nvPicPr>
+          <p:cNvPr id="3" name="Picture 2" descr="A person standing next to a rocket&#10;&#10;Description automatically generated">
+            <a:extLst>
+              <a:ext uri="{FF2B5EF4-FFF2-40B4-BE49-F238E27FC236}">
+                <a16:creationId xmlns:a16="http://schemas.microsoft.com/office/drawing/2014/main" id="{00082B11-6D6C-05CD-97BF-762CADAF97E6}"/>
+              </a:ext>
+            </a:extLst>
+          </p:cNvPr>
+          <p:cNvPicPr>
+            <a:picLocks noChangeAspect="1"/>
+          </p:cNvPicPr>
+          <p:nvPr/>
+        </p:nvPicPr>
+        <p:blipFill>
+          <a:blip r:embed="rId3"/>
+          <a:stretch>
+            <a:fillRect/>
+          </a:stretch>
+        </p:blipFill>
+        <p:spPr>
+          <a:xfrm>
+            <a:off x="5892230" y="280987"/>
+            <a:ext cx="3034108" cy="2019061"/>
+          </a:xfrm>
+          <a:prstGeom prst="rect">
+            <a:avLst/>
+          </a:prstGeom>
+        </p:spPr>
+      </p:pic>
     </p:spTree>
   </p:cSld>
   <p:clrMapOvr>
@@ -6930,8 +6919,16 @@
               <a:buChar char="●"/>
             </a:pPr>
             <a:r>
-              <a:rPr lang="en-GB"/>
-              <a:t>Description of data source.</a:t>
+              <a:rPr lang="en-GB" dirty="0"/>
+              <a:t>The data used for this model is from Yahoo finance (</a:t>
+            </a:r>
+            <a:r>
+              <a:rPr lang="en-GB" dirty="0" err="1"/>
+              <a:t>yfinance</a:t>
+            </a:r>
+            <a:r>
+              <a:rPr lang="en-GB" dirty="0"/>
+              <a:t>) API. </a:t>
             </a:r>
           </a:p>
           <a:p>
@@ -6946,9 +6943,18 @@
               <a:buChar char="●"/>
             </a:pPr>
             <a:r>
+              <a:rPr lang="en-GB" dirty="0" err="1"/>
+              <a:t>Yfinance</a:t>
+            </a:r>
+            <a:r>
+              <a:rPr lang="en-GB" dirty="0"/>
+              <a:t> as an API were you </a:t>
+            </a:r>
+            <a:r>
               <a:rPr lang="en-GB"/>
-              <a:t>Reasoning for data selection.</a:t>
+              <a:t>can source </a:t>
             </a:r>
+            <a:endParaRPr lang="en-GB" dirty="0"/>
           </a:p>
           <a:p>
             <a:pPr marL="457200" lvl="0" indent="-342900" algn="l" rtl="0">
@@ -6962,7 +6968,7 @@
               <a:buChar char="●"/>
             </a:pPr>
             <a:r>
-              <a:rPr lang="en-GB"/>
+              <a:rPr lang="en-GB" dirty="0"/>
               <a:t>Collection, exploration and cleaning process.</a:t>
             </a:r>
           </a:p>

--- a/Project_Presentation.pptx
+++ b/Project_Presentation.pptx
@@ -268,11 +268,42 @@
 <pc:chgInfo xmlns:a="http://schemas.openxmlformats.org/drawingml/2006/main" xmlns:r="http://schemas.openxmlformats.org/officeDocument/2006/relationships" xmlns:ac="http://schemas.microsoft.com/office/drawing/2013/main/command" xmlns:pc="http://schemas.microsoft.com/office/powerpoint/2013/main/command">
   <pc:docChgLst>
     <pc:chgData name="Duke Woods" userId="57602d2667dc8ab3" providerId="LiveId" clId="{26390ED0-6D29-4D89-A59D-322261DFE807}"/>
-    <pc:docChg chg="modSld">
-      <pc:chgData name="Duke Woods" userId="57602d2667dc8ab3" providerId="LiveId" clId="{26390ED0-6D29-4D89-A59D-322261DFE807}" dt="2023-08-21T11:29:31.667" v="114" actId="20577"/>
+    <pc:docChg chg="custSel modSld">
+      <pc:chgData name="Duke Woods" userId="57602d2667dc8ab3" providerId="LiveId" clId="{26390ED0-6D29-4D89-A59D-322261DFE807}" dt="2023-08-22T08:32:31.620" v="119" actId="1076"/>
       <pc:docMkLst>
         <pc:docMk/>
       </pc:docMkLst>
+      <pc:sldChg chg="modSp mod">
+        <pc:chgData name="Duke Woods" userId="57602d2667dc8ab3" providerId="LiveId" clId="{26390ED0-6D29-4D89-A59D-322261DFE807}" dt="2023-08-22T08:32:31.620" v="119" actId="1076"/>
+        <pc:sldMkLst>
+          <pc:docMk/>
+          <pc:sldMk cId="0" sldId="256"/>
+        </pc:sldMkLst>
+        <pc:spChg chg="mod">
+          <ac:chgData name="Duke Woods" userId="57602d2667dc8ab3" providerId="LiveId" clId="{26390ED0-6D29-4D89-A59D-322261DFE807}" dt="2023-08-22T08:32:12.382" v="116" actId="20577"/>
+          <ac:spMkLst>
+            <pc:docMk/>
+            <pc:sldMk cId="0" sldId="256"/>
+            <ac:spMk id="54" creationId="{00000000-0000-0000-0000-000000000000}"/>
+          </ac:spMkLst>
+        </pc:spChg>
+        <pc:spChg chg="mod">
+          <ac:chgData name="Duke Woods" userId="57602d2667dc8ab3" providerId="LiveId" clId="{26390ED0-6D29-4D89-A59D-322261DFE807}" dt="2023-08-22T08:32:31.620" v="119" actId="1076"/>
+          <ac:spMkLst>
+            <pc:docMk/>
+            <pc:sldMk cId="0" sldId="256"/>
+            <ac:spMk id="55" creationId="{00000000-0000-0000-0000-000000000000}"/>
+          </ac:spMkLst>
+        </pc:spChg>
+        <pc:picChg chg="mod">
+          <ac:chgData name="Duke Woods" userId="57602d2667dc8ab3" providerId="LiveId" clId="{26390ED0-6D29-4D89-A59D-322261DFE807}" dt="2023-08-22T08:32:26.415" v="118" actId="1076"/>
+          <ac:picMkLst>
+            <pc:docMk/>
+            <pc:sldMk cId="0" sldId="256"/>
+            <ac:picMk id="3" creationId="{00000000-0000-0000-0000-000000000000}"/>
+          </ac:picMkLst>
+        </pc:picChg>
+      </pc:sldChg>
       <pc:sldChg chg="addSp modSp mod modNotes">
         <pc:chgData name="Duke Woods" userId="57602d2667dc8ab3" providerId="LiveId" clId="{26390ED0-6D29-4D89-A59D-322261DFE807}" dt="2023-08-21T11:28:23.829" v="2" actId="14100"/>
         <pc:sldMkLst>
@@ -6387,7 +6418,7 @@
             </a:r>
             <a:r>
               <a:rPr lang="en-AU" altLang="en-GB" dirty="0" err="1"/>
-              <a:t>ortfoloio</a:t>
+              <a:t>ortfolio</a:t>
             </a:r>
             <a:r>
               <a:rPr lang="en-AU" altLang="en-GB" dirty="0"/>
@@ -6408,7 +6439,7 @@
         </p:nvSpPr>
         <p:spPr>
           <a:xfrm>
-            <a:off x="311785" y="1257086"/>
+            <a:off x="311785" y="4191705"/>
             <a:ext cx="8520430" cy="836930"/>
           </a:xfrm>
           <a:prstGeom prst="rect">
@@ -6457,7 +6488,7 @@
         </p:blipFill>
         <p:spPr>
           <a:xfrm>
-            <a:off x="2638680" y="2102892"/>
+            <a:off x="2638680" y="1172905"/>
             <a:ext cx="3866639" cy="2899980"/>
           </a:xfrm>
           <a:prstGeom prst="rect">
